--- a/documents/thesis/TQLBO-paper/marco teorico/camello_enhanced2.pptx
+++ b/documents/thesis/TQLBO-paper/marco teorico/camello_enhanced2.pptx
@@ -7,7 +7,7 @@
   <p:sldIdLst>
     <p:sldId id="256" r:id="rId2"/>
   </p:sldIdLst>
-  <p:sldSz cx="9753600" cy="7200900"/>
+  <p:sldSz cx="9753600" cy="7380288"/>
   <p:notesSz cx="6742113" cy="9294813"/>
   <p:defaultTextStyle>
     <a:defPPr>
@@ -136,8 +136,8 @@
         </p:nvSpPr>
         <p:spPr>
           <a:xfrm>
-            <a:off x="731522" y="2236949"/>
-            <a:ext cx="8290560" cy="1543526"/>
+            <a:off x="731522" y="2292675"/>
+            <a:ext cx="8290560" cy="1581978"/>
           </a:xfrm>
         </p:spPr>
         <p:txBody>
@@ -164,8 +164,8 @@
         </p:nvSpPr>
         <p:spPr>
           <a:xfrm>
-            <a:off x="1463042" y="4080512"/>
-            <a:ext cx="6827520" cy="1840231"/>
+            <a:off x="1463042" y="4182165"/>
+            <a:ext cx="6827520" cy="1886075"/>
           </a:xfrm>
         </p:spPr>
         <p:txBody>
@@ -288,7 +288,7 @@
           <a:p>
             <a:fld id="{248DE3C2-08D5-4A5D-B92F-A11D6574412E}" type="datetimeFigureOut">
               <a:rPr lang="es-CO" smtClean="0"/>
-              <a:t>11/12/2012</a:t>
+              <a:t>20/12/2012</a:t>
             </a:fld>
             <a:endParaRPr lang="es-CO"/>
           </a:p>
@@ -458,7 +458,7 @@
           <a:p>
             <a:fld id="{248DE3C2-08D5-4A5D-B92F-A11D6574412E}" type="datetimeFigureOut">
               <a:rPr lang="es-CO" smtClean="0"/>
-              <a:t>11/12/2012</a:t>
+              <a:t>20/12/2012</a:t>
             </a:fld>
             <a:endParaRPr lang="es-CO"/>
           </a:p>
@@ -548,8 +548,8 @@
         </p:nvSpPr>
         <p:spPr>
           <a:xfrm>
-            <a:off x="7543807" y="256699"/>
-            <a:ext cx="2340187" cy="5460683"/>
+            <a:off x="7543809" y="263094"/>
+            <a:ext cx="2340187" cy="5596719"/>
           </a:xfrm>
         </p:spPr>
         <p:txBody>
@@ -576,8 +576,8 @@
         </p:nvSpPr>
         <p:spPr>
           <a:xfrm>
-            <a:off x="519858" y="256699"/>
-            <a:ext cx="6861387" cy="5460683"/>
+            <a:off x="519860" y="263094"/>
+            <a:ext cx="6861387" cy="5596719"/>
           </a:xfrm>
         </p:spPr>
         <p:txBody>
@@ -638,7 +638,7 @@
           <a:p>
             <a:fld id="{248DE3C2-08D5-4A5D-B92F-A11D6574412E}" type="datetimeFigureOut">
               <a:rPr lang="es-CO" smtClean="0"/>
-              <a:t>11/12/2012</a:t>
+              <a:t>20/12/2012</a:t>
             </a:fld>
             <a:endParaRPr lang="es-CO"/>
           </a:p>
@@ -808,7 +808,7 @@
           <a:p>
             <a:fld id="{248DE3C2-08D5-4A5D-B92F-A11D6574412E}" type="datetimeFigureOut">
               <a:rPr lang="es-CO" smtClean="0"/>
-              <a:t>11/12/2012</a:t>
+              <a:t>20/12/2012</a:t>
             </a:fld>
             <a:endParaRPr lang="es-CO"/>
           </a:p>
@@ -898,8 +898,8 @@
         </p:nvSpPr>
         <p:spPr>
           <a:xfrm>
-            <a:off x="770469" y="4627250"/>
-            <a:ext cx="8290560" cy="1430179"/>
+            <a:off x="770469" y="4742524"/>
+            <a:ext cx="8290560" cy="1465807"/>
           </a:xfrm>
         </p:spPr>
         <p:txBody>
@@ -930,8 +930,8 @@
         </p:nvSpPr>
         <p:spPr>
           <a:xfrm>
-            <a:off x="770469" y="3052050"/>
-            <a:ext cx="8290560" cy="1575196"/>
+            <a:off x="770469" y="3128082"/>
+            <a:ext cx="8290560" cy="1614437"/>
           </a:xfrm>
         </p:spPr>
         <p:txBody>
@@ -1054,7 +1054,7 @@
           <a:p>
             <a:fld id="{248DE3C2-08D5-4A5D-B92F-A11D6574412E}" type="datetimeFigureOut">
               <a:rPr lang="es-CO" smtClean="0"/>
-              <a:t>11/12/2012</a:t>
+              <a:t>20/12/2012</a:t>
             </a:fld>
             <a:endParaRPr lang="es-CO"/>
           </a:p>
@@ -1167,8 +1167,8 @@
         </p:nvSpPr>
         <p:spPr>
           <a:xfrm>
-            <a:off x="519856" y="1493521"/>
-            <a:ext cx="4600786" cy="4223862"/>
+            <a:off x="519856" y="1530727"/>
+            <a:ext cx="4600786" cy="4329087"/>
           </a:xfrm>
         </p:spPr>
         <p:txBody>
@@ -1252,8 +1252,8 @@
         </p:nvSpPr>
         <p:spPr>
           <a:xfrm>
-            <a:off x="5283205" y="1493521"/>
-            <a:ext cx="4600787" cy="4223862"/>
+            <a:off x="5283207" y="1530727"/>
+            <a:ext cx="4600787" cy="4329087"/>
           </a:xfrm>
         </p:spPr>
         <p:txBody>
@@ -1342,7 +1342,7 @@
           <a:p>
             <a:fld id="{248DE3C2-08D5-4A5D-B92F-A11D6574412E}" type="datetimeFigureOut">
               <a:rPr lang="es-CO" smtClean="0"/>
-              <a:t>11/12/2012</a:t>
+              <a:t>20/12/2012</a:t>
             </a:fld>
             <a:endParaRPr lang="es-CO"/>
           </a:p>
@@ -1432,8 +1432,8 @@
         </p:nvSpPr>
         <p:spPr>
           <a:xfrm>
-            <a:off x="487682" y="288371"/>
-            <a:ext cx="8778240" cy="1200150"/>
+            <a:off x="487682" y="295555"/>
+            <a:ext cx="8778240" cy="1230048"/>
           </a:xfrm>
         </p:spPr>
         <p:txBody>
@@ -1464,8 +1464,8 @@
         </p:nvSpPr>
         <p:spPr>
           <a:xfrm>
-            <a:off x="487681" y="1611870"/>
-            <a:ext cx="4309535" cy="671749"/>
+            <a:off x="487683" y="1652025"/>
+            <a:ext cx="4309535" cy="688483"/>
           </a:xfrm>
         </p:spPr>
         <p:txBody>
@@ -1529,8 +1529,8 @@
         </p:nvSpPr>
         <p:spPr>
           <a:xfrm>
-            <a:off x="487681" y="2283620"/>
-            <a:ext cx="4309535" cy="4148852"/>
+            <a:off x="487683" y="2340509"/>
+            <a:ext cx="4309535" cy="4252208"/>
           </a:xfrm>
         </p:spPr>
         <p:txBody>
@@ -1614,8 +1614,8 @@
         </p:nvSpPr>
         <p:spPr>
           <a:xfrm>
-            <a:off x="4954698" y="1611870"/>
-            <a:ext cx="4311227" cy="671749"/>
+            <a:off x="4954698" y="1652025"/>
+            <a:ext cx="4311227" cy="688483"/>
           </a:xfrm>
         </p:spPr>
         <p:txBody>
@@ -1679,8 +1679,8 @@
         </p:nvSpPr>
         <p:spPr>
           <a:xfrm>
-            <a:off x="4954698" y="2283620"/>
-            <a:ext cx="4311227" cy="4148852"/>
+            <a:off x="4954698" y="2340509"/>
+            <a:ext cx="4311227" cy="4252208"/>
           </a:xfrm>
         </p:spPr>
         <p:txBody>
@@ -1769,7 +1769,7 @@
           <a:p>
             <a:fld id="{248DE3C2-08D5-4A5D-B92F-A11D6574412E}" type="datetimeFigureOut">
               <a:rPr lang="es-CO" smtClean="0"/>
-              <a:t>11/12/2012</a:t>
+              <a:t>20/12/2012</a:t>
             </a:fld>
             <a:endParaRPr lang="es-CO"/>
           </a:p>
@@ -1887,7 +1887,7 @@
           <a:p>
             <a:fld id="{248DE3C2-08D5-4A5D-B92F-A11D6574412E}" type="datetimeFigureOut">
               <a:rPr lang="es-CO" smtClean="0"/>
-              <a:t>11/12/2012</a:t>
+              <a:t>20/12/2012</a:t>
             </a:fld>
             <a:endParaRPr lang="es-CO"/>
           </a:p>
@@ -1982,7 +1982,7 @@
           <a:p>
             <a:fld id="{248DE3C2-08D5-4A5D-B92F-A11D6574412E}" type="datetimeFigureOut">
               <a:rPr lang="es-CO" smtClean="0"/>
-              <a:t>11/12/2012</a:t>
+              <a:t>20/12/2012</a:t>
             </a:fld>
             <a:endParaRPr lang="es-CO"/>
           </a:p>
@@ -2072,8 +2072,8 @@
         </p:nvSpPr>
         <p:spPr>
           <a:xfrm>
-            <a:off x="487685" y="286705"/>
-            <a:ext cx="3208866" cy="1220151"/>
+            <a:off x="487685" y="293848"/>
+            <a:ext cx="3208866" cy="1250547"/>
           </a:xfrm>
         </p:spPr>
         <p:txBody>
@@ -2104,8 +2104,8 @@
         </p:nvSpPr>
         <p:spPr>
           <a:xfrm>
-            <a:off x="3813389" y="286706"/>
-            <a:ext cx="5452534" cy="6145769"/>
+            <a:off x="3813389" y="293849"/>
+            <a:ext cx="5452534" cy="6298872"/>
           </a:xfrm>
         </p:spPr>
         <p:txBody>
@@ -2189,8 +2189,8 @@
         </p:nvSpPr>
         <p:spPr>
           <a:xfrm>
-            <a:off x="487685" y="1506855"/>
-            <a:ext cx="3208866" cy="4925616"/>
+            <a:off x="487685" y="1544393"/>
+            <a:ext cx="3208866" cy="5048322"/>
           </a:xfrm>
         </p:spPr>
         <p:txBody>
@@ -2259,7 +2259,7 @@
           <a:p>
             <a:fld id="{248DE3C2-08D5-4A5D-B92F-A11D6574412E}" type="datetimeFigureOut">
               <a:rPr lang="es-CO" smtClean="0"/>
-              <a:t>11/12/2012</a:t>
+              <a:t>20/12/2012</a:t>
             </a:fld>
             <a:endParaRPr lang="es-CO"/>
           </a:p>
@@ -2349,8 +2349,8 @@
         </p:nvSpPr>
         <p:spPr>
           <a:xfrm>
-            <a:off x="1911774" y="5040634"/>
-            <a:ext cx="5852160" cy="595075"/>
+            <a:off x="1911774" y="5166207"/>
+            <a:ext cx="5852160" cy="609899"/>
           </a:xfrm>
         </p:spPr>
         <p:txBody>
@@ -2381,8 +2381,8 @@
         </p:nvSpPr>
         <p:spPr>
           <a:xfrm>
-            <a:off x="1911774" y="643416"/>
-            <a:ext cx="5852160" cy="4320540"/>
+            <a:off x="1911774" y="659444"/>
+            <a:ext cx="5852160" cy="4428173"/>
           </a:xfrm>
         </p:spPr>
         <p:txBody>
@@ -2442,8 +2442,8 @@
         </p:nvSpPr>
         <p:spPr>
           <a:xfrm>
-            <a:off x="1911774" y="5635707"/>
-            <a:ext cx="5852160" cy="845105"/>
+            <a:off x="1911774" y="5776104"/>
+            <a:ext cx="5852160" cy="866159"/>
           </a:xfrm>
         </p:spPr>
         <p:txBody>
@@ -2512,7 +2512,7 @@
           <a:p>
             <a:fld id="{248DE3C2-08D5-4A5D-B92F-A11D6574412E}" type="datetimeFigureOut">
               <a:rPr lang="es-CO" smtClean="0"/>
-              <a:t>11/12/2012</a:t>
+              <a:t>20/12/2012</a:t>
             </a:fld>
             <a:endParaRPr lang="es-CO"/>
           </a:p>
@@ -2607,8 +2607,8 @@
         </p:nvSpPr>
         <p:spPr>
           <a:xfrm>
-            <a:off x="487682" y="288371"/>
-            <a:ext cx="8778240" cy="1200150"/>
+            <a:off x="487682" y="295555"/>
+            <a:ext cx="8778240" cy="1230048"/>
           </a:xfrm>
           <a:prstGeom prst="rect">
             <a:avLst/>
@@ -2640,8 +2640,8 @@
         </p:nvSpPr>
         <p:spPr>
           <a:xfrm>
-            <a:off x="487682" y="1680215"/>
-            <a:ext cx="8778240" cy="4752261"/>
+            <a:off x="487682" y="1722072"/>
+            <a:ext cx="8778240" cy="4870649"/>
           </a:xfrm>
           <a:prstGeom prst="rect">
             <a:avLst/>
@@ -2702,8 +2702,8 @@
         </p:nvSpPr>
         <p:spPr>
           <a:xfrm>
-            <a:off x="487680" y="6674172"/>
-            <a:ext cx="2275841" cy="383381"/>
+            <a:off x="487680" y="6840439"/>
+            <a:ext cx="2275841" cy="392932"/>
           </a:xfrm>
           <a:prstGeom prst="rect">
             <a:avLst/>
@@ -2725,7 +2725,7 @@
           <a:p>
             <a:fld id="{248DE3C2-08D5-4A5D-B92F-A11D6574412E}" type="datetimeFigureOut">
               <a:rPr lang="es-CO" smtClean="0"/>
-              <a:t>11/12/2012</a:t>
+              <a:t>20/12/2012</a:t>
             </a:fld>
             <a:endParaRPr lang="es-CO"/>
           </a:p>
@@ -2743,8 +2743,8 @@
         </p:nvSpPr>
         <p:spPr>
           <a:xfrm>
-            <a:off x="3332481" y="6674172"/>
-            <a:ext cx="3088640" cy="383381"/>
+            <a:off x="3332481" y="6840439"/>
+            <a:ext cx="3088640" cy="392932"/>
           </a:xfrm>
           <a:prstGeom prst="rect">
             <a:avLst/>
@@ -2780,8 +2780,8 @@
         </p:nvSpPr>
         <p:spPr>
           <a:xfrm>
-            <a:off x="6990081" y="6674172"/>
-            <a:ext cx="2275841" cy="383381"/>
+            <a:off x="6990083" y="6840439"/>
+            <a:ext cx="2275841" cy="392932"/>
           </a:xfrm>
           <a:prstGeom prst="rect">
             <a:avLst/>
@@ -3102,7 +3102,7 @@
       </p:grpSpPr>
       <p:pic>
         <p:nvPicPr>
-          <p:cNvPr id="1159" name="Picture 135" descr="E:\personal\maestria\tesis\Jeronimo\trunk\documents\thesis\TQLBO-paper\images\Camello_Anim_Enhance-2.png"/>
+          <p:cNvPr id="1192" name="Picture 168" descr="E:\personal\maestria\tesis\Jeronimo\trunk\documents\thesis\TQLBO-paper\images\curvature_enhanced.png"/>
           <p:cNvPicPr>
             <a:picLocks noChangeAspect="1" noChangeArrowheads="1"/>
           </p:cNvPicPr>
@@ -3123,8 +3123,8 @@
         </p:blipFill>
         <p:spPr bwMode="auto">
           <a:xfrm>
-            <a:off x="-19744" y="773117"/>
-            <a:ext cx="9753600" cy="6096000"/>
+            <a:off x="5147" y="263004"/>
+            <a:ext cx="9753600" cy="6667500"/>
           </a:xfrm>
           <a:prstGeom prst="rect">
             <a:avLst/>
@@ -3150,25 +3150,25 @@
           <p:nvPr>
             <p:extLst>
               <p:ext uri="{D42A27DB-BD31-4B8C-83A1-F6EECF244321}">
-                <p14:modId xmlns:p14="http://schemas.microsoft.com/office/powerpoint/2010/main" val="4091497977"/>
+                <p14:modId xmlns:p14="http://schemas.microsoft.com/office/powerpoint/2010/main" val="905087344"/>
               </p:ext>
             </p:extLst>
           </p:nvPr>
         </p:nvGraphicFramePr>
         <p:xfrm>
-          <a:off x="246362" y="156936"/>
-          <a:ext cx="1668469" cy="976223"/>
+          <a:off x="297466" y="-19605"/>
+          <a:ext cx="1554999" cy="384139"/>
         </p:xfrm>
         <a:graphic>
           <a:graphicData uri="http://schemas.openxmlformats.org/presentationml/2006/ole">
             <mc:AlternateContent xmlns:mc="http://schemas.openxmlformats.org/markup-compatibility/2006">
               <mc:Choice xmlns:v="urn:schemas-microsoft-com:vml" Requires="v">
-                <p:oleObj spid="_x0000_s1184" name="Ecuación" r:id="rId4" imgW="723600" imgH="431640" progId="Equation.3">
+                <p:oleObj spid="_x0000_s1199" name="Ecuación" r:id="rId4" imgW="723600" imgH="177480" progId="Equation.3">
                   <p:embed/>
                 </p:oleObj>
               </mc:Choice>
               <mc:Fallback>
-                <p:oleObj name="Ecuación" r:id="rId4" imgW="723600" imgH="431640" progId="Equation.3">
+                <p:oleObj name="Ecuación" r:id="rId4" imgW="723600" imgH="177480" progId="Equation.3">
                   <p:embed/>
                   <p:pic>
                     <p:nvPicPr>
@@ -3184,15 +3184,13 @@
                     </p:blipFill>
                     <p:spPr>
                       <a:xfrm>
-                        <a:off x="246362" y="156936"/>
-                        <a:ext cx="1668469" cy="976223"/>
+                        <a:off x="297466" y="-19605"/>
+                        <a:ext cx="1554999" cy="384139"/>
                       </a:xfrm>
                       <a:prstGeom prst="rect">
                         <a:avLst/>
                       </a:prstGeom>
-                      <a:solidFill>
-                        <a:schemeClr val="bg1"/>
-                      </a:solidFill>
+                      <a:noFill/>
                     </p:spPr>
                   </p:pic>
                 </p:oleObj>
@@ -3210,25 +3208,25 @@
           <p:nvPr>
             <p:extLst>
               <p:ext uri="{D42A27DB-BD31-4B8C-83A1-F6EECF244321}">
-                <p14:modId xmlns:p14="http://schemas.microsoft.com/office/powerpoint/2010/main" val="1773386193"/>
+                <p14:modId xmlns:p14="http://schemas.microsoft.com/office/powerpoint/2010/main" val="2968618411"/>
               </p:ext>
             </p:extLst>
           </p:nvPr>
         </p:nvGraphicFramePr>
         <p:xfrm>
-          <a:off x="7253064" y="144066"/>
-          <a:ext cx="1779421" cy="972868"/>
+          <a:off x="7793158" y="413133"/>
+          <a:ext cx="1211745" cy="382695"/>
         </p:xfrm>
         <a:graphic>
           <a:graphicData uri="http://schemas.openxmlformats.org/presentationml/2006/ole">
             <mc:AlternateContent xmlns:mc="http://schemas.openxmlformats.org/markup-compatibility/2006">
               <mc:Choice xmlns:v="urn:schemas-microsoft-com:vml" Requires="v">
-                <p:oleObj spid="_x0000_s1185" name="Ecuación" r:id="rId6" imgW="660240" imgH="431640" progId="Equation.3">
+                <p:oleObj spid="_x0000_s1200" name="Ecuación" r:id="rId6" imgW="482400" imgH="177480" progId="Equation.3">
                   <p:embed/>
                 </p:oleObj>
               </mc:Choice>
               <mc:Fallback>
-                <p:oleObj name="Ecuación" r:id="rId6" imgW="660240" imgH="431640" progId="Equation.3">
+                <p:oleObj name="Ecuación" r:id="rId6" imgW="482400" imgH="177480" progId="Equation.3">
                   <p:embed/>
                   <p:pic>
                     <p:nvPicPr>
@@ -3247,8 +3245,8 @@
                     </p:blipFill>
                     <p:spPr bwMode="auto">
                       <a:xfrm>
-                        <a:off x="7253064" y="144066"/>
-                        <a:ext cx="1779421" cy="972868"/>
+                        <a:off x="7793158" y="413133"/>
+                        <a:ext cx="1211745" cy="382695"/>
                       </a:xfrm>
                       <a:prstGeom prst="rect">
                         <a:avLst/>
@@ -3275,20 +3273,20 @@
           <p:nvPr>
             <p:extLst>
               <p:ext uri="{D42A27DB-BD31-4B8C-83A1-F6EECF244321}">
-                <p14:modId xmlns:p14="http://schemas.microsoft.com/office/powerpoint/2010/main" val="2766546256"/>
+                <p14:modId xmlns:p14="http://schemas.microsoft.com/office/powerpoint/2010/main" val="1217844266"/>
               </p:ext>
             </p:extLst>
           </p:nvPr>
         </p:nvGraphicFramePr>
         <p:xfrm>
-          <a:off x="4804792" y="144066"/>
-          <a:ext cx="1048674" cy="401920"/>
+          <a:off x="5732643" y="411867"/>
+          <a:ext cx="977359" cy="383920"/>
         </p:xfrm>
         <a:graphic>
           <a:graphicData uri="http://schemas.openxmlformats.org/presentationml/2006/ole">
             <mc:AlternateContent xmlns:mc="http://schemas.openxmlformats.org/markup-compatibility/2006">
               <mc:Choice xmlns:v="urn:schemas-microsoft-com:vml" Requires="v">
-                <p:oleObj spid="_x0000_s1186" name="Ecuación" r:id="rId8" imgW="482400" imgH="177480" progId="Equation.3">
+                <p:oleObj spid="_x0000_s1201" name="Ecuación" r:id="rId8" imgW="482400" imgH="177480" progId="Equation.3">
                   <p:embed/>
                 </p:oleObj>
               </mc:Choice>
@@ -3312,15 +3310,13 @@
                     </p:blipFill>
                     <p:spPr bwMode="auto">
                       <a:xfrm>
-                        <a:off x="4804792" y="144066"/>
-                        <a:ext cx="1048674" cy="401920"/>
+                        <a:off x="5732643" y="411867"/>
+                        <a:ext cx="977359" cy="383920"/>
                       </a:xfrm>
                       <a:prstGeom prst="rect">
                         <a:avLst/>
                       </a:prstGeom>
-                      <a:solidFill>
-                        <a:schemeClr val="bg1"/>
-                      </a:solidFill>
+                      <a:noFill/>
                       <a:ln>
                         <a:noFill/>
                       </a:ln>
@@ -3342,20 +3338,20 @@
           <p:nvPr>
             <p:extLst>
               <p:ext uri="{D42A27DB-BD31-4B8C-83A1-F6EECF244321}">
-                <p14:modId xmlns:p14="http://schemas.microsoft.com/office/powerpoint/2010/main" val="3407320118"/>
+                <p14:modId xmlns:p14="http://schemas.microsoft.com/office/powerpoint/2010/main" val="528022946"/>
               </p:ext>
             </p:extLst>
           </p:nvPr>
         </p:nvGraphicFramePr>
         <p:xfrm>
-          <a:off x="962026" y="6808972"/>
-          <a:ext cx="3192342" cy="462117"/>
+          <a:off x="1060376" y="6991272"/>
+          <a:ext cx="2975248" cy="441421"/>
         </p:xfrm>
         <a:graphic>
           <a:graphicData uri="http://schemas.openxmlformats.org/presentationml/2006/ole">
             <mc:AlternateContent xmlns:mc="http://schemas.openxmlformats.org/markup-compatibility/2006">
               <mc:Choice xmlns:v="urn:schemas-microsoft-com:vml" Requires="v">
-                <p:oleObj spid="_x0000_s1187" name="Ecuación" r:id="rId10" imgW="1434960" imgH="203040" progId="Equation.3">
+                <p:oleObj spid="_x0000_s1202" name="Ecuación" r:id="rId10" imgW="1434960" imgH="203040" progId="Equation.3">
                   <p:embed/>
                 </p:oleObj>
               </mc:Choice>
@@ -3379,8 +3375,8 @@
                     </p:blipFill>
                     <p:spPr bwMode="auto">
                       <a:xfrm>
-                        <a:off x="962026" y="6808972"/>
-                        <a:ext cx="3192342" cy="462117"/>
+                        <a:off x="1060376" y="6991272"/>
+                        <a:ext cx="2975248" cy="441421"/>
                       </a:xfrm>
                       <a:prstGeom prst="rect">
                         <a:avLst/>
@@ -3407,20 +3403,20 @@
           <p:nvPr>
             <p:extLst>
               <p:ext uri="{D42A27DB-BD31-4B8C-83A1-F6EECF244321}">
-                <p14:modId xmlns:p14="http://schemas.microsoft.com/office/powerpoint/2010/main" val="2949619608"/>
+                <p14:modId xmlns:p14="http://schemas.microsoft.com/office/powerpoint/2010/main" val="152362840"/>
               </p:ext>
             </p:extLst>
           </p:nvPr>
         </p:nvGraphicFramePr>
         <p:xfrm>
-          <a:off x="5643565" y="6812510"/>
-          <a:ext cx="3206610" cy="460348"/>
+          <a:off x="5742356" y="6994829"/>
+          <a:ext cx="2988545" cy="439731"/>
         </p:xfrm>
         <a:graphic>
           <a:graphicData uri="http://schemas.openxmlformats.org/presentationml/2006/ole">
             <mc:AlternateContent xmlns:mc="http://schemas.openxmlformats.org/markup-compatibility/2006">
               <mc:Choice xmlns:v="urn:schemas-microsoft-com:vml" Requires="v">
-                <p:oleObj spid="_x0000_s1188" name="Ecuación" r:id="rId12" imgW="1422360" imgH="203040" progId="Equation.3">
+                <p:oleObj spid="_x0000_s1203" name="Ecuación" r:id="rId12" imgW="1422360" imgH="203040" progId="Equation.3">
                   <p:embed/>
                 </p:oleObj>
               </mc:Choice>
@@ -3444,8 +3440,8 @@
                     </p:blipFill>
                     <p:spPr bwMode="auto">
                       <a:xfrm>
-                        <a:off x="5643565" y="6812510"/>
-                        <a:ext cx="3206610" cy="460348"/>
+                        <a:off x="5742356" y="6994829"/>
+                        <a:ext cx="2988545" cy="439731"/>
                       </a:xfrm>
                       <a:prstGeom prst="rect">
                         <a:avLst/>
@@ -3472,25 +3468,25 @@
           <p:nvPr>
             <p:extLst>
               <p:ext uri="{D42A27DB-BD31-4B8C-83A1-F6EECF244321}">
-                <p14:modId xmlns:p14="http://schemas.microsoft.com/office/powerpoint/2010/main" val="543568540"/>
+                <p14:modId xmlns:p14="http://schemas.microsoft.com/office/powerpoint/2010/main" val="719606057"/>
               </p:ext>
             </p:extLst>
           </p:nvPr>
         </p:nvGraphicFramePr>
         <p:xfrm>
-          <a:off x="2276047" y="156935"/>
-          <a:ext cx="1661593" cy="976222"/>
+          <a:off x="3514229" y="411642"/>
+          <a:ext cx="1518011" cy="384139"/>
         </p:xfrm>
         <a:graphic>
           <a:graphicData uri="http://schemas.openxmlformats.org/presentationml/2006/ole">
             <mc:AlternateContent xmlns:mc="http://schemas.openxmlformats.org/markup-compatibility/2006">
               <mc:Choice xmlns:v="urn:schemas-microsoft-com:vml" Requires="v">
-                <p:oleObj spid="_x0000_s1189" name="Ecuación" r:id="rId14" imgW="660240" imgH="431640" progId="Equation.3">
+                <p:oleObj spid="_x0000_s1204" name="Ecuación" r:id="rId14" imgW="647640" imgH="177480" progId="Equation.3">
                   <p:embed/>
                 </p:oleObj>
               </mc:Choice>
               <mc:Fallback>
-                <p:oleObj name="Ecuación" r:id="rId14" imgW="660240" imgH="431640" progId="Equation.3">
+                <p:oleObj name="Ecuación" r:id="rId14" imgW="647640" imgH="177480" progId="Equation.3">
                   <p:embed/>
                   <p:pic>
                     <p:nvPicPr>
@@ -3509,15 +3505,13 @@
                     </p:blipFill>
                     <p:spPr bwMode="auto">
                       <a:xfrm>
-                        <a:off x="2276047" y="156935"/>
-                        <a:ext cx="1661593" cy="976222"/>
+                        <a:off x="3514229" y="411642"/>
+                        <a:ext cx="1518011" cy="384139"/>
                       </a:xfrm>
                       <a:prstGeom prst="rect">
                         <a:avLst/>
                       </a:prstGeom>
-                      <a:solidFill>
-                        <a:schemeClr val="bg1"/>
-                      </a:solidFill>
+                      <a:noFill/>
                       <a:ln>
                         <a:noFill/>
                       </a:ln>

--- a/documents/thesis/TQLBO-paper/marco teorico/camello_enhanced2.pptx
+++ b/documents/thesis/TQLBO-paper/marco teorico/camello_enhanced2.pptx
@@ -288,7 +288,7 @@
           <a:p>
             <a:fld id="{248DE3C2-08D5-4A5D-B92F-A11D6574412E}" type="datetimeFigureOut">
               <a:rPr lang="es-CO" smtClean="0"/>
-              <a:t>20/12/2012</a:t>
+              <a:t>21/12/2012</a:t>
             </a:fld>
             <a:endParaRPr lang="es-CO"/>
           </a:p>
@@ -458,7 +458,7 @@
           <a:p>
             <a:fld id="{248DE3C2-08D5-4A5D-B92F-A11D6574412E}" type="datetimeFigureOut">
               <a:rPr lang="es-CO" smtClean="0"/>
-              <a:t>20/12/2012</a:t>
+              <a:t>21/12/2012</a:t>
             </a:fld>
             <a:endParaRPr lang="es-CO"/>
           </a:p>
@@ -638,7 +638,7 @@
           <a:p>
             <a:fld id="{248DE3C2-08D5-4A5D-B92F-A11D6574412E}" type="datetimeFigureOut">
               <a:rPr lang="es-CO" smtClean="0"/>
-              <a:t>20/12/2012</a:t>
+              <a:t>21/12/2012</a:t>
             </a:fld>
             <a:endParaRPr lang="es-CO"/>
           </a:p>
@@ -808,7 +808,7 @@
           <a:p>
             <a:fld id="{248DE3C2-08D5-4A5D-B92F-A11D6574412E}" type="datetimeFigureOut">
               <a:rPr lang="es-CO" smtClean="0"/>
-              <a:t>20/12/2012</a:t>
+              <a:t>21/12/2012</a:t>
             </a:fld>
             <a:endParaRPr lang="es-CO"/>
           </a:p>
@@ -1054,7 +1054,7 @@
           <a:p>
             <a:fld id="{248DE3C2-08D5-4A5D-B92F-A11D6574412E}" type="datetimeFigureOut">
               <a:rPr lang="es-CO" smtClean="0"/>
-              <a:t>20/12/2012</a:t>
+              <a:t>21/12/2012</a:t>
             </a:fld>
             <a:endParaRPr lang="es-CO"/>
           </a:p>
@@ -1342,7 +1342,7 @@
           <a:p>
             <a:fld id="{248DE3C2-08D5-4A5D-B92F-A11D6574412E}" type="datetimeFigureOut">
               <a:rPr lang="es-CO" smtClean="0"/>
-              <a:t>20/12/2012</a:t>
+              <a:t>21/12/2012</a:t>
             </a:fld>
             <a:endParaRPr lang="es-CO"/>
           </a:p>
@@ -1769,7 +1769,7 @@
           <a:p>
             <a:fld id="{248DE3C2-08D5-4A5D-B92F-A11D6574412E}" type="datetimeFigureOut">
               <a:rPr lang="es-CO" smtClean="0"/>
-              <a:t>20/12/2012</a:t>
+              <a:t>21/12/2012</a:t>
             </a:fld>
             <a:endParaRPr lang="es-CO"/>
           </a:p>
@@ -1887,7 +1887,7 @@
           <a:p>
             <a:fld id="{248DE3C2-08D5-4A5D-B92F-A11D6574412E}" type="datetimeFigureOut">
               <a:rPr lang="es-CO" smtClean="0"/>
-              <a:t>20/12/2012</a:t>
+              <a:t>21/12/2012</a:t>
             </a:fld>
             <a:endParaRPr lang="es-CO"/>
           </a:p>
@@ -1982,7 +1982,7 @@
           <a:p>
             <a:fld id="{248DE3C2-08D5-4A5D-B92F-A11D6574412E}" type="datetimeFigureOut">
               <a:rPr lang="es-CO" smtClean="0"/>
-              <a:t>20/12/2012</a:t>
+              <a:t>21/12/2012</a:t>
             </a:fld>
             <a:endParaRPr lang="es-CO"/>
           </a:p>
@@ -2259,7 +2259,7 @@
           <a:p>
             <a:fld id="{248DE3C2-08D5-4A5D-B92F-A11D6574412E}" type="datetimeFigureOut">
               <a:rPr lang="es-CO" smtClean="0"/>
-              <a:t>20/12/2012</a:t>
+              <a:t>21/12/2012</a:t>
             </a:fld>
             <a:endParaRPr lang="es-CO"/>
           </a:p>
@@ -2512,7 +2512,7 @@
           <a:p>
             <a:fld id="{248DE3C2-08D5-4A5D-B92F-A11D6574412E}" type="datetimeFigureOut">
               <a:rPr lang="es-CO" smtClean="0"/>
-              <a:t>20/12/2012</a:t>
+              <a:t>21/12/2012</a:t>
             </a:fld>
             <a:endParaRPr lang="es-CO"/>
           </a:p>
@@ -2725,7 +2725,7 @@
           <a:p>
             <a:fld id="{248DE3C2-08D5-4A5D-B92F-A11D6574412E}" type="datetimeFigureOut">
               <a:rPr lang="es-CO" smtClean="0"/>
-              <a:t>20/12/2012</a:t>
+              <a:t>21/12/2012</a:t>
             </a:fld>
             <a:endParaRPr lang="es-CO"/>
           </a:p>
@@ -3102,7 +3102,7 @@
       </p:grpSpPr>
       <p:pic>
         <p:nvPicPr>
-          <p:cNvPr id="1192" name="Picture 168" descr="E:\personal\maestria\tesis\Jeronimo\trunk\documents\thesis\TQLBO-paper\images\curvature_enhanced.png"/>
+          <p:cNvPr id="1206" name="Picture 182" descr="E:\personal\maestria\tesis\Jeronimo\trunk\documents\thesis\TQLBO-paper\images\Camello_Anim_Enhance-5.png"/>
           <p:cNvPicPr>
             <a:picLocks noChangeAspect="1" noChangeArrowheads="1"/>
           </p:cNvPicPr>
@@ -3123,7 +3123,7 @@
         </p:blipFill>
         <p:spPr bwMode="auto">
           <a:xfrm>
-            <a:off x="5147" y="263004"/>
+            <a:off x="-16225" y="407020"/>
             <a:ext cx="9753600" cy="6667500"/>
           </a:xfrm>
           <a:prstGeom prst="rect">
@@ -3150,20 +3150,20 @@
           <p:nvPr>
             <p:extLst>
               <p:ext uri="{D42A27DB-BD31-4B8C-83A1-F6EECF244321}">
-                <p14:modId xmlns:p14="http://schemas.microsoft.com/office/powerpoint/2010/main" val="905087344"/>
+                <p14:modId xmlns:p14="http://schemas.microsoft.com/office/powerpoint/2010/main" val="1213529799"/>
               </p:ext>
             </p:extLst>
           </p:nvPr>
         </p:nvGraphicFramePr>
         <p:xfrm>
-          <a:off x="297466" y="-19605"/>
-          <a:ext cx="1554999" cy="384139"/>
+          <a:off x="7469088" y="179380"/>
+          <a:ext cx="1386087" cy="342412"/>
         </p:xfrm>
         <a:graphic>
           <a:graphicData uri="http://schemas.openxmlformats.org/presentationml/2006/ole">
             <mc:AlternateContent xmlns:mc="http://schemas.openxmlformats.org/markup-compatibility/2006">
               <mc:Choice xmlns:v="urn:schemas-microsoft-com:vml" Requires="v">
-                <p:oleObj spid="_x0000_s1199" name="Ecuación" r:id="rId4" imgW="723600" imgH="177480" progId="Equation.3">
+                <p:oleObj spid="_x0000_s1221" name="Ecuación" r:id="rId4" imgW="723600" imgH="177480" progId="Equation.3">
                   <p:embed/>
                 </p:oleObj>
               </mc:Choice>
@@ -3184,8 +3184,8 @@
                     </p:blipFill>
                     <p:spPr>
                       <a:xfrm>
-                        <a:off x="297466" y="-19605"/>
-                        <a:ext cx="1554999" cy="384139"/>
+                        <a:off x="7469088" y="179380"/>
+                        <a:ext cx="1386087" cy="342412"/>
                       </a:xfrm>
                       <a:prstGeom prst="rect">
                         <a:avLst/>
@@ -3201,36 +3201,36 @@
       </p:graphicFrame>
       <p:graphicFrame>
         <p:nvGraphicFramePr>
-          <p:cNvPr id="8" name="7 Objeto"/>
+          <p:cNvPr id="9" name="8 Objeto"/>
           <p:cNvGraphicFramePr>
             <a:graphicFrameLocks noChangeAspect="1"/>
           </p:cNvGraphicFramePr>
           <p:nvPr>
             <p:extLst>
               <p:ext uri="{D42A27DB-BD31-4B8C-83A1-F6EECF244321}">
-                <p14:modId xmlns:p14="http://schemas.microsoft.com/office/powerpoint/2010/main" val="2968618411"/>
+                <p14:modId xmlns:p14="http://schemas.microsoft.com/office/powerpoint/2010/main" val="1094803298"/>
               </p:ext>
             </p:extLst>
           </p:nvPr>
         </p:nvGraphicFramePr>
         <p:xfrm>
-          <a:off x="7793158" y="413133"/>
-          <a:ext cx="1211745" cy="382695"/>
+          <a:off x="2500537" y="448751"/>
+          <a:ext cx="1170253" cy="342444"/>
         </p:xfrm>
         <a:graphic>
           <a:graphicData uri="http://schemas.openxmlformats.org/presentationml/2006/ole">
             <mc:AlternateContent xmlns:mc="http://schemas.openxmlformats.org/markup-compatibility/2006">
               <mc:Choice xmlns:v="urn:schemas-microsoft-com:vml" Requires="v">
-                <p:oleObj spid="_x0000_s1200" name="Ecuación" r:id="rId6" imgW="482400" imgH="177480" progId="Equation.3">
+                <p:oleObj spid="_x0000_s1222" name="Ecuación" r:id="rId6" imgW="647640" imgH="177480" progId="Equation.3">
                   <p:embed/>
                 </p:oleObj>
               </mc:Choice>
               <mc:Fallback>
-                <p:oleObj name="Ecuación" r:id="rId6" imgW="482400" imgH="177480" progId="Equation.3">
+                <p:oleObj name="Ecuación" r:id="rId6" imgW="647640" imgH="177480" progId="Equation.3">
                   <p:embed/>
                   <p:pic>
                     <p:nvPicPr>
-                      <p:cNvPr id="0" name="5 Objeto"/>
+                      <p:cNvPr id="0" name="7 Objeto"/>
                       <p:cNvPicPr>
                         <a:picLocks noChangeAspect="1" noChangeArrowheads="1"/>
                       </p:cNvPicPr>
@@ -3245,73 +3245,8 @@
                     </p:blipFill>
                     <p:spPr bwMode="auto">
                       <a:xfrm>
-                        <a:off x="7793158" y="413133"/>
-                        <a:ext cx="1211745" cy="382695"/>
-                      </a:xfrm>
-                      <a:prstGeom prst="rect">
-                        <a:avLst/>
-                      </a:prstGeom>
-                      <a:noFill/>
-                      <a:ln>
-                        <a:noFill/>
-                      </a:ln>
-                      <a:extLst/>
-                    </p:spPr>
-                  </p:pic>
-                </p:oleObj>
-              </mc:Fallback>
-            </mc:AlternateContent>
-          </a:graphicData>
-        </a:graphic>
-      </p:graphicFrame>
-      <p:graphicFrame>
-        <p:nvGraphicFramePr>
-          <p:cNvPr id="9" name="8 Objeto"/>
-          <p:cNvGraphicFramePr>
-            <a:graphicFrameLocks noChangeAspect="1"/>
-          </p:cNvGraphicFramePr>
-          <p:nvPr>
-            <p:extLst>
-              <p:ext uri="{D42A27DB-BD31-4B8C-83A1-F6EECF244321}">
-                <p14:modId xmlns:p14="http://schemas.microsoft.com/office/powerpoint/2010/main" val="1217844266"/>
-              </p:ext>
-            </p:extLst>
-          </p:nvPr>
-        </p:nvGraphicFramePr>
-        <p:xfrm>
-          <a:off x="5732643" y="411867"/>
-          <a:ext cx="977359" cy="383920"/>
-        </p:xfrm>
-        <a:graphic>
-          <a:graphicData uri="http://schemas.openxmlformats.org/presentationml/2006/ole">
-            <mc:AlternateContent xmlns:mc="http://schemas.openxmlformats.org/markup-compatibility/2006">
-              <mc:Choice xmlns:v="urn:schemas-microsoft-com:vml" Requires="v">
-                <p:oleObj spid="_x0000_s1201" name="Ecuación" r:id="rId8" imgW="482400" imgH="177480" progId="Equation.3">
-                  <p:embed/>
-                </p:oleObj>
-              </mc:Choice>
-              <mc:Fallback>
-                <p:oleObj name="Ecuación" r:id="rId8" imgW="482400" imgH="177480" progId="Equation.3">
-                  <p:embed/>
-                  <p:pic>
-                    <p:nvPicPr>
-                      <p:cNvPr id="0" name="7 Objeto"/>
-                      <p:cNvPicPr>
-                        <a:picLocks noChangeAspect="1" noChangeArrowheads="1"/>
-                      </p:cNvPicPr>
-                      <p:nvPr/>
-                    </p:nvPicPr>
-                    <p:blipFill>
-                      <a:blip r:embed="rId9"/>
-                      <a:srcRect/>
-                      <a:stretch>
-                        <a:fillRect/>
-                      </a:stretch>
-                    </p:blipFill>
-                    <p:spPr bwMode="auto">
-                      <a:xfrm>
-                        <a:off x="5732643" y="411867"/>
-                        <a:ext cx="977359" cy="383920"/>
+                        <a:off x="2500537" y="448751"/>
+                        <a:ext cx="1170253" cy="342444"/>
                       </a:xfrm>
                       <a:prstGeom prst="rect">
                         <a:avLst/>
@@ -3338,25 +3273,25 @@
           <p:nvPr>
             <p:extLst>
               <p:ext uri="{D42A27DB-BD31-4B8C-83A1-F6EECF244321}">
-                <p14:modId xmlns:p14="http://schemas.microsoft.com/office/powerpoint/2010/main" val="528022946"/>
+                <p14:modId xmlns:p14="http://schemas.microsoft.com/office/powerpoint/2010/main" val="648803320"/>
               </p:ext>
             </p:extLst>
           </p:nvPr>
         </p:nvGraphicFramePr>
         <p:xfrm>
-          <a:off x="1060376" y="6991272"/>
-          <a:ext cx="2975248" cy="441421"/>
+          <a:off x="1060376" y="7039221"/>
+          <a:ext cx="2652062" cy="393472"/>
         </p:xfrm>
         <a:graphic>
           <a:graphicData uri="http://schemas.openxmlformats.org/presentationml/2006/ole">
             <mc:AlternateContent xmlns:mc="http://schemas.openxmlformats.org/markup-compatibility/2006">
               <mc:Choice xmlns:v="urn:schemas-microsoft-com:vml" Requires="v">
-                <p:oleObj spid="_x0000_s1202" name="Ecuación" r:id="rId10" imgW="1434960" imgH="203040" progId="Equation.3">
+                <p:oleObj spid="_x0000_s1223" name="Ecuación" r:id="rId8" imgW="1434960" imgH="203040" progId="Equation.3">
                   <p:embed/>
                 </p:oleObj>
               </mc:Choice>
               <mc:Fallback>
-                <p:oleObj name="Ecuación" r:id="rId10" imgW="1434960" imgH="203040" progId="Equation.3">
+                <p:oleObj name="Ecuación" r:id="rId8" imgW="1434960" imgH="203040" progId="Equation.3">
                   <p:embed/>
                   <p:pic>
                     <p:nvPicPr>
@@ -3367,7 +3302,7 @@
                       <p:nvPr/>
                     </p:nvPicPr>
                     <p:blipFill>
-                      <a:blip r:embed="rId11"/>
+                      <a:blip r:embed="rId9"/>
                       <a:srcRect/>
                       <a:stretch>
                         <a:fillRect/>
@@ -3375,8 +3310,8 @@
                     </p:blipFill>
                     <p:spPr bwMode="auto">
                       <a:xfrm>
-                        <a:off x="1060376" y="6991272"/>
-                        <a:ext cx="2975248" cy="441421"/>
+                        <a:off x="1060376" y="7039221"/>
+                        <a:ext cx="2652062" cy="393472"/>
                       </a:xfrm>
                       <a:prstGeom prst="rect">
                         <a:avLst/>
@@ -3403,25 +3338,25 @@
           <p:nvPr>
             <p:extLst>
               <p:ext uri="{D42A27DB-BD31-4B8C-83A1-F6EECF244321}">
-                <p14:modId xmlns:p14="http://schemas.microsoft.com/office/powerpoint/2010/main" val="152362840"/>
+                <p14:modId xmlns:p14="http://schemas.microsoft.com/office/powerpoint/2010/main" val="2297602545"/>
               </p:ext>
             </p:extLst>
           </p:nvPr>
         </p:nvGraphicFramePr>
         <p:xfrm>
-          <a:off x="5742356" y="6994829"/>
-          <a:ext cx="2988545" cy="439731"/>
+          <a:off x="5742356" y="7042594"/>
+          <a:ext cx="2663915" cy="391966"/>
         </p:xfrm>
         <a:graphic>
           <a:graphicData uri="http://schemas.openxmlformats.org/presentationml/2006/ole">
             <mc:AlternateContent xmlns:mc="http://schemas.openxmlformats.org/markup-compatibility/2006">
               <mc:Choice xmlns:v="urn:schemas-microsoft-com:vml" Requires="v">
-                <p:oleObj spid="_x0000_s1203" name="Ecuación" r:id="rId12" imgW="1422360" imgH="203040" progId="Equation.3">
+                <p:oleObj spid="_x0000_s1224" name="Ecuación" r:id="rId10" imgW="1422360" imgH="203040" progId="Equation.3">
                   <p:embed/>
                 </p:oleObj>
               </mc:Choice>
               <mc:Fallback>
-                <p:oleObj name="Ecuación" r:id="rId12" imgW="1422360" imgH="203040" progId="Equation.3">
+                <p:oleObj name="Ecuación" r:id="rId10" imgW="1422360" imgH="203040" progId="Equation.3">
                   <p:embed/>
                   <p:pic>
                     <p:nvPicPr>
@@ -3432,7 +3367,7 @@
                       <p:nvPr/>
                     </p:nvPicPr>
                     <p:blipFill>
-                      <a:blip r:embed="rId13"/>
+                      <a:blip r:embed="rId11"/>
                       <a:srcRect/>
                       <a:stretch>
                         <a:fillRect/>
@@ -3440,8 +3375,8 @@
                     </p:blipFill>
                     <p:spPr bwMode="auto">
                       <a:xfrm>
-                        <a:off x="5742356" y="6994829"/>
-                        <a:ext cx="2988545" cy="439731"/>
+                        <a:off x="5742356" y="7042594"/>
+                        <a:ext cx="2663915" cy="391966"/>
                       </a:xfrm>
                       <a:prstGeom prst="rect">
                         <a:avLst/>
@@ -3468,29 +3403,94 @@
           <p:nvPr>
             <p:extLst>
               <p:ext uri="{D42A27DB-BD31-4B8C-83A1-F6EECF244321}">
-                <p14:modId xmlns:p14="http://schemas.microsoft.com/office/powerpoint/2010/main" val="719606057"/>
+                <p14:modId xmlns:p14="http://schemas.microsoft.com/office/powerpoint/2010/main" val="2075093848"/>
               </p:ext>
             </p:extLst>
           </p:nvPr>
         </p:nvGraphicFramePr>
         <p:xfrm>
-          <a:off x="3514229" y="411642"/>
-          <a:ext cx="1518011" cy="384139"/>
+          <a:off x="5020817" y="419507"/>
+          <a:ext cx="1512697" cy="342444"/>
         </p:xfrm>
         <a:graphic>
           <a:graphicData uri="http://schemas.openxmlformats.org/presentationml/2006/ole">
             <mc:AlternateContent xmlns:mc="http://schemas.openxmlformats.org/markup-compatibility/2006">
               <mc:Choice xmlns:v="urn:schemas-microsoft-com:vml" Requires="v">
-                <p:oleObj spid="_x0000_s1204" name="Ecuación" r:id="rId14" imgW="647640" imgH="177480" progId="Equation.3">
+                <p:oleObj spid="_x0000_s1225" name="Ecuación" r:id="rId12" imgW="723600" imgH="177480" progId="Equation.3">
                   <p:embed/>
                 </p:oleObj>
               </mc:Choice>
               <mc:Fallback>
-                <p:oleObj name="Ecuación" r:id="rId14" imgW="647640" imgH="177480" progId="Equation.3">
+                <p:oleObj name="Ecuación" r:id="rId12" imgW="723600" imgH="177480" progId="Equation.3">
                   <p:embed/>
                   <p:pic>
                     <p:nvPicPr>
                       <p:cNvPr id="0" name="4 Objeto"/>
+                      <p:cNvPicPr>
+                        <a:picLocks noChangeAspect="1" noChangeArrowheads="1"/>
+                      </p:cNvPicPr>
+                      <p:nvPr/>
+                    </p:nvPicPr>
+                    <p:blipFill>
+                      <a:blip r:embed="rId13"/>
+                      <a:srcRect/>
+                      <a:stretch>
+                        <a:fillRect/>
+                      </a:stretch>
+                    </p:blipFill>
+                    <p:spPr bwMode="auto">
+                      <a:xfrm>
+                        <a:off x="5020817" y="419507"/>
+                        <a:ext cx="1512697" cy="342444"/>
+                      </a:xfrm>
+                      <a:prstGeom prst="rect">
+                        <a:avLst/>
+                      </a:prstGeom>
+                      <a:noFill/>
+                      <a:ln>
+                        <a:noFill/>
+                      </a:ln>
+                      <a:extLst/>
+                    </p:spPr>
+                  </p:pic>
+                </p:oleObj>
+              </mc:Fallback>
+            </mc:AlternateContent>
+          </a:graphicData>
+        </a:graphic>
+      </p:graphicFrame>
+      <p:graphicFrame>
+        <p:nvGraphicFramePr>
+          <p:cNvPr id="3" name="2 Objeto"/>
+          <p:cNvGraphicFramePr>
+            <a:graphicFrameLocks noChangeAspect="1"/>
+          </p:cNvGraphicFramePr>
+          <p:nvPr>
+            <p:extLst>
+              <p:ext uri="{D42A27DB-BD31-4B8C-83A1-F6EECF244321}">
+                <p14:modId xmlns:p14="http://schemas.microsoft.com/office/powerpoint/2010/main" val="3055543494"/>
+              </p:ext>
+            </p:extLst>
+          </p:nvPr>
+        </p:nvGraphicFramePr>
+        <p:xfrm>
+          <a:off x="471488" y="426467"/>
+          <a:ext cx="1054100" cy="392113"/>
+        </p:xfrm>
+        <a:graphic>
+          <a:graphicData uri="http://schemas.openxmlformats.org/presentationml/2006/ole">
+            <mc:AlternateContent xmlns:mc="http://schemas.openxmlformats.org/markup-compatibility/2006">
+              <mc:Choice xmlns:v="urn:schemas-microsoft-com:vml" Requires="v">
+                <p:oleObj spid="_x0000_s1226" name="Ecuación" r:id="rId14" imgW="583920" imgH="203040" progId="Equation.3">
+                  <p:embed/>
+                </p:oleObj>
+              </mc:Choice>
+              <mc:Fallback>
+                <p:oleObj name="Ecuación" r:id="rId14" imgW="583920" imgH="203040" progId="Equation.3">
+                  <p:embed/>
+                  <p:pic>
+                    <p:nvPicPr>
+                      <p:cNvPr id="0" name="8 Objeto"/>
                       <p:cNvPicPr>
                         <a:picLocks noChangeAspect="1" noChangeArrowheads="1"/>
                       </p:cNvPicPr>
@@ -3505,8 +3505,8 @@
                     </p:blipFill>
                     <p:spPr bwMode="auto">
                       <a:xfrm>
-                        <a:off x="3514229" y="411642"/>
-                        <a:ext cx="1518011" cy="384139"/>
+                        <a:off x="471488" y="426467"/>
+                        <a:ext cx="1054100" cy="392113"/>
                       </a:xfrm>
                       <a:prstGeom prst="rect">
                         <a:avLst/>
@@ -3515,7 +3515,25 @@
                       <a:ln>
                         <a:noFill/>
                       </a:ln>
-                      <a:extLst/>
+                      <a:extLst>
+                        <a:ext uri="{909E8E84-426E-40DD-AFC4-6F175D3DCCD1}">
+                          <a14:hiddenFill xmlns:a14="http://schemas.microsoft.com/office/drawing/2010/main">
+                            <a:solidFill>
+                              <a:srgbClr val="FFFFFF"/>
+                            </a:solidFill>
+                          </a14:hiddenFill>
+                        </a:ext>
+                        <a:ext uri="{91240B29-F687-4F45-9708-019B960494DF}">
+                          <a14:hiddenLine xmlns:a14="http://schemas.microsoft.com/office/drawing/2010/main" w="9525">
+                            <a:solidFill>
+                              <a:srgbClr val="000000"/>
+                            </a:solidFill>
+                            <a:miter lim="800000"/>
+                            <a:headEnd/>
+                            <a:tailEnd/>
+                          </a14:hiddenLine>
+                        </a:ext>
+                      </a:extLst>
                     </p:spPr>
                   </p:pic>
                 </p:oleObj>
